--- a/실무회의 및 단장미팅 발표자료/251028 실무회의 자료 - 진명.pptx
+++ b/실무회의 및 단장미팅 발표자료/251028 실무회의 자료 - 진명.pptx
@@ -3742,10 +3742,10 @@
       </p:grpSpPr>
       <p:pic>
         <p:nvPicPr>
-          <p:cNvPr id="10" name="그림 9">
+          <p:cNvPr id="4" name="그림 3">
             <a:extLst>
               <a:ext uri="{FF2B5EF4-FFF2-40B4-BE49-F238E27FC236}">
-                <a16:creationId xmlns:a16="http://schemas.microsoft.com/office/drawing/2014/main" id="{E6D235CD-7710-D04A-592E-A173C364E434}"/>
+                <a16:creationId xmlns:a16="http://schemas.microsoft.com/office/drawing/2014/main" id="{D9FF33A6-EA5D-DF04-DC74-2A36F2D4749C}"/>
               </a:ext>
             </a:extLst>
           </p:cNvPr>
@@ -5071,7 +5071,7 @@
                 <a:ea typeface="함초롬돋움" panose="020B0604000101010101" pitchFamily="50" charset="-127"/>
                 <a:cs typeface="함초롬돋움" panose="020B0604000101010101" pitchFamily="50" charset="-127"/>
               </a:rPr>
-              <a:t>: </a:t>
+              <a:t>(</a:t>
             </a:r>
             <a:r>
               <a:rPr lang="ko-KR" altLang="en-US" sz="1050" dirty="0">
@@ -5079,7 +5079,23 @@
                 <a:ea typeface="함초롬돋움" panose="020B0604000101010101" pitchFamily="50" charset="-127"/>
                 <a:cs typeface="함초롬돋움" panose="020B0604000101010101" pitchFamily="50" charset="-127"/>
               </a:rPr>
-              <a:t>입고는 </a:t>
+              <a:t>입찰 </a:t>
+            </a:r>
+            <a:r>
+              <a:rPr lang="ko-KR" altLang="en-US" sz="1050" dirty="0" err="1">
+                <a:latin typeface="함초롬돋움" panose="020B0604000101010101" pitchFamily="50" charset="-127"/>
+                <a:ea typeface="함초롬돋움" panose="020B0604000101010101" pitchFamily="50" charset="-127"/>
+                <a:cs typeface="함초롬돋움" panose="020B0604000101010101" pitchFamily="50" charset="-127"/>
+              </a:rPr>
+              <a:t>시작금</a:t>
+            </a:r>
+            <a:r>
+              <a:rPr lang="ko-KR" altLang="en-US" sz="1050" dirty="0">
+                <a:latin typeface="함초롬돋움" panose="020B0604000101010101" pitchFamily="50" charset="-127"/>
+                <a:ea typeface="함초롬돋움" panose="020B0604000101010101" pitchFamily="50" charset="-127"/>
+                <a:cs typeface="함초롬돋움" panose="020B0604000101010101" pitchFamily="50" charset="-127"/>
+              </a:rPr>
+              <a:t> </a:t>
             </a:r>
             <a:r>
               <a:rPr lang="en-US" altLang="ko-KR" sz="1050" dirty="0">
@@ -5087,7 +5103,7 @@
                 <a:ea typeface="함초롬돋움" panose="020B0604000101010101" pitchFamily="50" charset="-127"/>
                 <a:cs typeface="함초롬돋움" panose="020B0604000101010101" pitchFamily="50" charset="-127"/>
               </a:rPr>
-              <a:t>11</a:t>
+              <a:t>95,000</a:t>
             </a:r>
             <a:r>
               <a:rPr lang="ko-KR" altLang="en-US" sz="1050" dirty="0">
@@ -5095,7 +5111,87 @@
                 <a:ea typeface="함초롬돋움" panose="020B0604000101010101" pitchFamily="50" charset="-127"/>
                 <a:cs typeface="함초롬돋움" panose="020B0604000101010101" pitchFamily="50" charset="-127"/>
               </a:rPr>
-              <a:t>월 중순 예정</a:t>
+              <a:t> 천원 대비 </a:t>
+            </a:r>
+            <a:r>
+              <a:rPr lang="en-US" altLang="ko-KR" sz="1050" dirty="0">
+                <a:latin typeface="함초롬돋움" panose="020B0604000101010101" pitchFamily="50" charset="-127"/>
+                <a:ea typeface="함초롬돋움" panose="020B0604000101010101" pitchFamily="50" charset="-127"/>
+                <a:cs typeface="함초롬돋움" panose="020B0604000101010101" pitchFamily="50" charset="-127"/>
+              </a:rPr>
+              <a:t>1,425 </a:t>
+            </a:r>
+            <a:r>
+              <a:rPr lang="ko-KR" altLang="en-US" sz="1050" dirty="0">
+                <a:latin typeface="함초롬돋움" panose="020B0604000101010101" pitchFamily="50" charset="-127"/>
+                <a:ea typeface="함초롬돋움" panose="020B0604000101010101" pitchFamily="50" charset="-127"/>
+                <a:cs typeface="함초롬돋움" panose="020B0604000101010101" pitchFamily="50" charset="-127"/>
+              </a:rPr>
+              <a:t>천원 감소</a:t>
+            </a:r>
+            <a:r>
+              <a:rPr lang="en-US" altLang="ko-KR" sz="1050" dirty="0">
+                <a:latin typeface="함초롬돋움" panose="020B0604000101010101" pitchFamily="50" charset="-127"/>
+                <a:ea typeface="함초롬돋움" panose="020B0604000101010101" pitchFamily="50" charset="-127"/>
+                <a:cs typeface="함초롬돋움" panose="020B0604000101010101" pitchFamily="50" charset="-127"/>
+              </a:rPr>
+              <a:t>): 11</a:t>
+            </a:r>
+            <a:r>
+              <a:rPr lang="ko-KR" altLang="en-US" sz="1050" dirty="0">
+                <a:latin typeface="함초롬돋움" panose="020B0604000101010101" pitchFamily="50" charset="-127"/>
+                <a:ea typeface="함초롬돋움" panose="020B0604000101010101" pitchFamily="50" charset="-127"/>
+                <a:cs typeface="함초롬돋움" panose="020B0604000101010101" pitchFamily="50" charset="-127"/>
+              </a:rPr>
+              <a:t>월 </a:t>
+            </a:r>
+            <a:r>
+              <a:rPr lang="en-US" altLang="ko-KR" sz="1050" dirty="0">
+                <a:latin typeface="함초롬돋움" panose="020B0604000101010101" pitchFamily="50" charset="-127"/>
+                <a:ea typeface="함초롬돋움" panose="020B0604000101010101" pitchFamily="50" charset="-127"/>
+                <a:cs typeface="함초롬돋움" panose="020B0604000101010101" pitchFamily="50" charset="-127"/>
+              </a:rPr>
+              <a:t>14</a:t>
+            </a:r>
+            <a:r>
+              <a:rPr lang="ko-KR" altLang="en-US" sz="1050" dirty="0">
+                <a:latin typeface="함초롬돋움" panose="020B0604000101010101" pitchFamily="50" charset="-127"/>
+                <a:ea typeface="함초롬돋움" panose="020B0604000101010101" pitchFamily="50" charset="-127"/>
+                <a:cs typeface="함초롬돋움" panose="020B0604000101010101" pitchFamily="50" charset="-127"/>
+              </a:rPr>
+              <a:t>일 </a:t>
+            </a:r>
+            <a:r>
+              <a:rPr lang="en-US" altLang="ko-KR" sz="1050" dirty="0">
+                <a:latin typeface="함초롬돋움" panose="020B0604000101010101" pitchFamily="50" charset="-127"/>
+                <a:ea typeface="함초롬돋움" panose="020B0604000101010101" pitchFamily="50" charset="-127"/>
+                <a:cs typeface="함초롬돋움" panose="020B0604000101010101" pitchFamily="50" charset="-127"/>
+              </a:rPr>
+              <a:t>(</a:t>
+            </a:r>
+            <a:r>
+              <a:rPr lang="ko-KR" altLang="en-US" sz="1050" dirty="0">
+                <a:latin typeface="함초롬돋움" panose="020B0604000101010101" pitchFamily="50" charset="-127"/>
+                <a:ea typeface="함초롬돋움" panose="020B0604000101010101" pitchFamily="50" charset="-127"/>
+                <a:cs typeface="함초롬돋움" panose="020B0604000101010101" pitchFamily="50" charset="-127"/>
+              </a:rPr>
+              <a:t>금</a:t>
+            </a:r>
+            <a:r>
+              <a:rPr lang="en-US" altLang="ko-KR" sz="1050" dirty="0">
+                <a:latin typeface="함초롬돋움" panose="020B0604000101010101" pitchFamily="50" charset="-127"/>
+                <a:ea typeface="함초롬돋움" panose="020B0604000101010101" pitchFamily="50" charset="-127"/>
+                <a:cs typeface="함초롬돋움" panose="020B0604000101010101" pitchFamily="50" charset="-127"/>
+              </a:rPr>
+              <a:t>) </a:t>
+            </a:r>
+            <a:r>
+              <a:rPr lang="ko-KR" altLang="en-US" sz="1050" dirty="0">
+                <a:latin typeface="함초롬돋움" panose="020B0604000101010101" pitchFamily="50" charset="-127"/>
+                <a:ea typeface="함초롬돋움" panose="020B0604000101010101" pitchFamily="50" charset="-127"/>
+                <a:cs typeface="함초롬돋움" panose="020B0604000101010101" pitchFamily="50" charset="-127"/>
+              </a:rPr>
+              <a:t>입고 예정</a:t>
             </a:r>
             <a:endParaRPr lang="en-US" altLang="ko-KR" sz="1050" dirty="0">
               <a:latin typeface="함초롬돋움" panose="020B0604000101010101" pitchFamily="50" charset="-127"/>
